--- a/Resources/Project-Roadmap-PowerPoint-Group3.pptx
+++ b/Resources/Project-Roadmap-PowerPoint-Group3.pptx
@@ -2165,10 +2165,10 @@
         <a:lstStyle/>
         <a:p>
           <a:r>
-            <a:rPr lang="en-US" b="0" i="0"/>
+            <a:rPr lang="en-US" b="0" i="0" dirty="0"/>
             <a:t>Decision making process: Common sense or voting </a:t>
           </a:r>
-          <a:endParaRPr lang="en-US"/>
+          <a:endParaRPr lang="en-US" dirty="0"/>
         </a:p>
       </dgm:t>
     </dgm:pt>
@@ -2518,39 +2518,7 @@
         <a:p>
           <a:r>
             <a:rPr lang="en-CA" dirty="0"/>
-            <a:t>ETL | Cleaning the data (</a:t>
-          </a:r>
-          <a:r>
-            <a:rPr lang="en-CA" dirty="0" err="1"/>
-            <a:t>duolicates</a:t>
-          </a:r>
-          <a:r>
-            <a:rPr lang="en-CA" dirty="0"/>
-            <a:t>, null values, remove HTML tags, special </a:t>
-          </a:r>
-          <a:r>
-            <a:rPr lang="en-CA" dirty="0" err="1"/>
-            <a:t>caracters</a:t>
-          </a:r>
-          <a:r>
-            <a:rPr lang="en-CA" dirty="0"/>
-            <a:t>, convert everything to </a:t>
-          </a:r>
-          <a:r>
-            <a:rPr lang="en-CA" dirty="0" err="1"/>
-            <a:t>lowcase</a:t>
-          </a:r>
-          <a:r>
-            <a:rPr lang="en-CA" dirty="0"/>
-            <a:t>, </a:t>
-          </a:r>
-          <a:r>
-            <a:rPr lang="en-CA" dirty="0" err="1"/>
-            <a:t>etc</a:t>
-          </a:r>
-          <a:r>
-            <a:rPr lang="en-CA" dirty="0"/>
-            <a:t>)</a:t>
+            <a:t>ETL | Cleaning the data (duplicates, null values, remove HTML tags, special characters, convert everything to lowercase, etc.)</a:t>
           </a:r>
           <a:endParaRPr lang="pt-BR" dirty="0"/>
         </a:p>
@@ -3668,10 +3636,10 @@
             <a:buNone/>
           </a:pPr>
           <a:r>
-            <a:rPr lang="en-US" sz="1700" b="0" i="0" kern="1200"/>
+            <a:rPr lang="en-US" sz="1700" b="0" i="0" kern="1200" dirty="0"/>
             <a:t>Decision making process: Common sense or voting </a:t>
           </a:r>
-          <a:endParaRPr lang="en-US" sz="1700" kern="1200"/>
+          <a:endParaRPr lang="en-US" sz="1700" kern="1200" dirty="0"/>
         </a:p>
       </dsp:txBody>
       <dsp:txXfrm>
@@ -3879,39 +3847,7 @@
           </a:pPr>
           <a:r>
             <a:rPr lang="en-CA" sz="1500" kern="1200" dirty="0"/>
-            <a:t>ETL | Cleaning the data (</a:t>
-          </a:r>
-          <a:r>
-            <a:rPr lang="en-CA" sz="1500" kern="1200" dirty="0" err="1"/>
-            <a:t>duolicates</a:t>
-          </a:r>
-          <a:r>
-            <a:rPr lang="en-CA" sz="1500" kern="1200" dirty="0"/>
-            <a:t>, null values, remove HTML tags, special </a:t>
-          </a:r>
-          <a:r>
-            <a:rPr lang="en-CA" sz="1500" kern="1200" dirty="0" err="1"/>
-            <a:t>caracters</a:t>
-          </a:r>
-          <a:r>
-            <a:rPr lang="en-CA" sz="1500" kern="1200" dirty="0"/>
-            <a:t>, convert everything to </a:t>
-          </a:r>
-          <a:r>
-            <a:rPr lang="en-CA" sz="1500" kern="1200" dirty="0" err="1"/>
-            <a:t>lowcase</a:t>
-          </a:r>
-          <a:r>
-            <a:rPr lang="en-CA" sz="1500" kern="1200" dirty="0"/>
-            <a:t>, </a:t>
-          </a:r>
-          <a:r>
-            <a:rPr lang="en-CA" sz="1500" kern="1200" dirty="0" err="1"/>
-            <a:t>etc</a:t>
-          </a:r>
-          <a:r>
-            <a:rPr lang="en-CA" sz="1500" kern="1200" dirty="0"/>
-            <a:t>)</a:t>
+            <a:t>ETL | Cleaning the data (duplicates, null values, remove HTML tags, special characters, convert everything to lowercase, etc.)</a:t>
           </a:r>
           <a:endParaRPr lang="pt-BR" sz="1500" kern="1200" dirty="0"/>
         </a:p>
@@ -6816,7 +6752,7 @@
             </a:lvl1pPr>
           </a:lstStyle>
           <a:p>
-            <a:endParaRPr lang="en-US"/>
+            <a:endParaRPr lang="en-US" dirty="0"/>
           </a:p>
         </p:txBody>
       </p:sp>
@@ -6851,7 +6787,7 @@
               <a:rPr lang="en-US" smtClean="0"/>
               <a:t>3/19/2022</a:t>
             </a:fld>
-            <a:endParaRPr lang="en-US"/>
+            <a:endParaRPr lang="en-US" dirty="0"/>
           </a:p>
         </p:txBody>
       </p:sp>
@@ -6884,7 +6820,7 @@
           <a:bodyPr vert="horz" lIns="91440" tIns="45720" rIns="91440" bIns="45720" rtlCol="0" anchor="ctr"/>
           <a:lstStyle/>
           <a:p>
-            <a:endParaRPr lang="en-US"/>
+            <a:endParaRPr lang="en-US" dirty="0"/>
           </a:p>
         </p:txBody>
       </p:sp>
@@ -6974,7 +6910,7 @@
             </a:lvl1pPr>
           </a:lstStyle>
           <a:p>
-            <a:endParaRPr lang="en-US"/>
+            <a:endParaRPr lang="en-US" dirty="0"/>
           </a:p>
         </p:txBody>
       </p:sp>
@@ -7009,7 +6945,7 @@
               <a:rPr lang="en-US" smtClean="0"/>
               <a:t>‹#›</a:t>
             </a:fld>
-            <a:endParaRPr lang="en-US"/>
+            <a:endParaRPr lang="en-US" dirty="0"/>
           </a:p>
         </p:txBody>
       </p:sp>
@@ -7265,7 +7201,7 @@
               <a:rPr lang="en-US" smtClean="0"/>
               <a:t>3/19/2022</a:t>
             </a:fld>
-            <a:endParaRPr lang="en-US"/>
+            <a:endParaRPr lang="en-US" dirty="0"/>
           </a:p>
         </p:txBody>
       </p:sp>
@@ -7290,7 +7226,7 @@
           <a:bodyPr/>
           <a:lstStyle/>
           <a:p>
-            <a:endParaRPr lang="en-US"/>
+            <a:endParaRPr lang="en-US" dirty="0"/>
           </a:p>
         </p:txBody>
       </p:sp>
@@ -7319,7 +7255,7 @@
               <a:rPr lang="en-US" smtClean="0"/>
               <a:t>‹#›</a:t>
             </a:fld>
-            <a:endParaRPr lang="en-US"/>
+            <a:endParaRPr lang="en-US" dirty="0"/>
           </a:p>
         </p:txBody>
       </p:sp>
@@ -7468,7 +7404,7 @@
               <a:rPr lang="en-US" smtClean="0"/>
               <a:t>3/19/2022</a:t>
             </a:fld>
-            <a:endParaRPr lang="en-US"/>
+            <a:endParaRPr lang="en-US" dirty="0"/>
           </a:p>
         </p:txBody>
       </p:sp>
@@ -7493,7 +7429,7 @@
           <a:bodyPr/>
           <a:lstStyle/>
           <a:p>
-            <a:endParaRPr lang="en-US"/>
+            <a:endParaRPr lang="en-US" dirty="0"/>
           </a:p>
         </p:txBody>
       </p:sp>
@@ -7522,7 +7458,7 @@
               <a:rPr lang="en-US" smtClean="0"/>
               <a:t>‹#›</a:t>
             </a:fld>
-            <a:endParaRPr lang="en-US"/>
+            <a:endParaRPr lang="en-US" dirty="0"/>
           </a:p>
         </p:txBody>
       </p:sp>
@@ -7676,7 +7612,7 @@
               <a:rPr lang="en-US" smtClean="0"/>
               <a:t>3/19/2022</a:t>
             </a:fld>
-            <a:endParaRPr lang="en-US"/>
+            <a:endParaRPr lang="en-US" dirty="0"/>
           </a:p>
         </p:txBody>
       </p:sp>
@@ -7701,7 +7637,7 @@
           <a:bodyPr/>
           <a:lstStyle/>
           <a:p>
-            <a:endParaRPr lang="en-US"/>
+            <a:endParaRPr lang="en-US" dirty="0"/>
           </a:p>
         </p:txBody>
       </p:sp>
@@ -7730,7 +7666,7 @@
               <a:rPr lang="en-US" smtClean="0"/>
               <a:t>‹#›</a:t>
             </a:fld>
-            <a:endParaRPr lang="en-US"/>
+            <a:endParaRPr lang="en-US" dirty="0"/>
           </a:p>
         </p:txBody>
       </p:sp>
@@ -7879,7 +7815,7 @@
               <a:rPr lang="en-US" smtClean="0"/>
               <a:t>3/19/2022</a:t>
             </a:fld>
-            <a:endParaRPr lang="en-US"/>
+            <a:endParaRPr lang="en-US" dirty="0"/>
           </a:p>
         </p:txBody>
       </p:sp>
@@ -7904,7 +7840,7 @@
           <a:bodyPr/>
           <a:lstStyle/>
           <a:p>
-            <a:endParaRPr lang="en-US"/>
+            <a:endParaRPr lang="en-US" dirty="0"/>
           </a:p>
         </p:txBody>
       </p:sp>
@@ -7933,7 +7869,7 @@
               <a:rPr lang="en-US" smtClean="0"/>
               <a:t>‹#›</a:t>
             </a:fld>
-            <a:endParaRPr lang="en-US"/>
+            <a:endParaRPr lang="en-US" dirty="0"/>
           </a:p>
         </p:txBody>
       </p:sp>
@@ -8154,7 +8090,7 @@
               <a:rPr lang="en-US" smtClean="0"/>
               <a:t>3/19/2022</a:t>
             </a:fld>
-            <a:endParaRPr lang="en-US"/>
+            <a:endParaRPr lang="en-US" dirty="0"/>
           </a:p>
         </p:txBody>
       </p:sp>
@@ -8179,7 +8115,7 @@
           <a:bodyPr/>
           <a:lstStyle/>
           <a:p>
-            <a:endParaRPr lang="en-US"/>
+            <a:endParaRPr lang="en-US" dirty="0"/>
           </a:p>
         </p:txBody>
       </p:sp>
@@ -8208,7 +8144,7 @@
               <a:rPr lang="en-US" smtClean="0"/>
               <a:t>‹#›</a:t>
             </a:fld>
-            <a:endParaRPr lang="en-US"/>
+            <a:endParaRPr lang="en-US" dirty="0"/>
           </a:p>
         </p:txBody>
       </p:sp>
@@ -8424,7 +8360,7 @@
               <a:rPr lang="en-US" smtClean="0"/>
               <a:t>3/19/2022</a:t>
             </a:fld>
-            <a:endParaRPr lang="en-US"/>
+            <a:endParaRPr lang="en-US" dirty="0"/>
           </a:p>
         </p:txBody>
       </p:sp>
@@ -8449,7 +8385,7 @@
           <a:bodyPr/>
           <a:lstStyle/>
           <a:p>
-            <a:endParaRPr lang="en-US"/>
+            <a:endParaRPr lang="en-US" dirty="0"/>
           </a:p>
         </p:txBody>
       </p:sp>
@@ -8478,7 +8414,7 @@
               <a:rPr lang="en-US" smtClean="0"/>
               <a:t>‹#›</a:t>
             </a:fld>
-            <a:endParaRPr lang="en-US"/>
+            <a:endParaRPr lang="en-US" dirty="0"/>
           </a:p>
         </p:txBody>
       </p:sp>
@@ -8841,7 +8777,7 @@
               <a:rPr lang="en-US" smtClean="0"/>
               <a:t>3/19/2022</a:t>
             </a:fld>
-            <a:endParaRPr lang="en-US"/>
+            <a:endParaRPr lang="en-US" dirty="0"/>
           </a:p>
         </p:txBody>
       </p:sp>
@@ -8866,7 +8802,7 @@
           <a:bodyPr/>
           <a:lstStyle/>
           <a:p>
-            <a:endParaRPr lang="en-US"/>
+            <a:endParaRPr lang="en-US" dirty="0"/>
           </a:p>
         </p:txBody>
       </p:sp>
@@ -8895,7 +8831,7 @@
               <a:rPr lang="en-US" smtClean="0"/>
               <a:t>‹#›</a:t>
             </a:fld>
-            <a:endParaRPr lang="en-US"/>
+            <a:endParaRPr lang="en-US" dirty="0"/>
           </a:p>
         </p:txBody>
       </p:sp>
@@ -8987,7 +8923,7 @@
               <a:rPr lang="en-US" smtClean="0"/>
               <a:t>3/19/2022</a:t>
             </a:fld>
-            <a:endParaRPr lang="en-US"/>
+            <a:endParaRPr lang="en-US" dirty="0"/>
           </a:p>
         </p:txBody>
       </p:sp>
@@ -9012,7 +8948,7 @@
           <a:bodyPr/>
           <a:lstStyle/>
           <a:p>
-            <a:endParaRPr lang="en-US"/>
+            <a:endParaRPr lang="en-US" dirty="0"/>
           </a:p>
         </p:txBody>
       </p:sp>
@@ -9041,7 +8977,7 @@
               <a:rPr lang="en-US" smtClean="0"/>
               <a:t>‹#›</a:t>
             </a:fld>
-            <a:endParaRPr lang="en-US"/>
+            <a:endParaRPr lang="en-US" dirty="0"/>
           </a:p>
         </p:txBody>
       </p:sp>
@@ -9100,7 +9036,7 @@
               <a:rPr lang="en-US" smtClean="0"/>
               <a:t>3/19/2022</a:t>
             </a:fld>
-            <a:endParaRPr lang="en-US"/>
+            <a:endParaRPr lang="en-US" dirty="0"/>
           </a:p>
         </p:txBody>
       </p:sp>
@@ -9125,7 +9061,7 @@
           <a:bodyPr/>
           <a:lstStyle/>
           <a:p>
-            <a:endParaRPr lang="en-US"/>
+            <a:endParaRPr lang="en-US" dirty="0"/>
           </a:p>
         </p:txBody>
       </p:sp>
@@ -9154,7 +9090,7 @@
               <a:rPr lang="en-US" smtClean="0"/>
               <a:t>‹#›</a:t>
             </a:fld>
-            <a:endParaRPr lang="en-US"/>
+            <a:endParaRPr lang="en-US" dirty="0"/>
           </a:p>
         </p:txBody>
       </p:sp>
@@ -9411,7 +9347,7 @@
               <a:rPr lang="en-US" smtClean="0"/>
               <a:t>3/19/2022</a:t>
             </a:fld>
-            <a:endParaRPr lang="en-US"/>
+            <a:endParaRPr lang="en-US" dirty="0"/>
           </a:p>
         </p:txBody>
       </p:sp>
@@ -9436,7 +9372,7 @@
           <a:bodyPr/>
           <a:lstStyle/>
           <a:p>
-            <a:endParaRPr lang="en-US"/>
+            <a:endParaRPr lang="en-US" dirty="0"/>
           </a:p>
         </p:txBody>
       </p:sp>
@@ -9465,7 +9401,7 @@
               <a:rPr lang="en-US" smtClean="0"/>
               <a:t>‹#›</a:t>
             </a:fld>
-            <a:endParaRPr lang="en-US"/>
+            <a:endParaRPr lang="en-US" dirty="0"/>
           </a:p>
         </p:txBody>
       </p:sp>
@@ -9604,7 +9540,7 @@
             </a:lvl9pPr>
           </a:lstStyle>
           <a:p>
-            <a:endParaRPr lang="en-US"/>
+            <a:endParaRPr lang="en-US" dirty="0"/>
           </a:p>
         </p:txBody>
       </p:sp>
@@ -9704,7 +9640,7 @@
               <a:rPr lang="en-US" smtClean="0"/>
               <a:t>3/19/2022</a:t>
             </a:fld>
-            <a:endParaRPr lang="en-US"/>
+            <a:endParaRPr lang="en-US" dirty="0"/>
           </a:p>
         </p:txBody>
       </p:sp>
@@ -9729,7 +9665,7 @@
           <a:bodyPr/>
           <a:lstStyle/>
           <a:p>
-            <a:endParaRPr lang="en-US"/>
+            <a:endParaRPr lang="en-US" dirty="0"/>
           </a:p>
         </p:txBody>
       </p:sp>
@@ -9758,7 +9694,7 @@
               <a:rPr lang="en-US" smtClean="0"/>
               <a:t>‹#›</a:t>
             </a:fld>
-            <a:endParaRPr lang="en-US"/>
+            <a:endParaRPr lang="en-US" dirty="0"/>
           </a:p>
         </p:txBody>
       </p:sp>
@@ -9945,7 +9881,7 @@
               <a:rPr lang="en-US" smtClean="0"/>
               <a:t>3/19/2022</a:t>
             </a:fld>
-            <a:endParaRPr lang="en-US"/>
+            <a:endParaRPr lang="en-US" dirty="0"/>
           </a:p>
         </p:txBody>
       </p:sp>
@@ -9988,7 +9924,7 @@
             </a:lvl1pPr>
           </a:lstStyle>
           <a:p>
-            <a:endParaRPr lang="en-US"/>
+            <a:endParaRPr lang="en-US" dirty="0"/>
           </a:p>
         </p:txBody>
       </p:sp>
@@ -10035,7 +9971,7 @@
               <a:rPr lang="en-US" smtClean="0"/>
               <a:t>‹#›</a:t>
             </a:fld>
-            <a:endParaRPr lang="en-US"/>
+            <a:endParaRPr lang="en-US" dirty="0"/>
           </a:p>
         </p:txBody>
       </p:sp>
@@ -10378,7 +10314,7 @@
           <p:nvPr>
             <p:extLst>
               <p:ext uri="{D42A27DB-BD31-4B8C-83A1-F6EECF244321}">
-                <p14:modId xmlns:p14="http://schemas.microsoft.com/office/powerpoint/2010/main" val="3141213367"/>
+                <p14:modId xmlns:p14="http://schemas.microsoft.com/office/powerpoint/2010/main" val="80736120"/>
               </p:ext>
             </p:extLst>
           </p:nvPr>
@@ -10539,7 +10475,7 @@
           <a:lstStyle/>
           <a:p>
             <a:pPr algn="ctr"/>
-            <a:endParaRPr lang="en-US"/>
+            <a:endParaRPr lang="en-US" dirty="0"/>
           </a:p>
         </p:txBody>
       </p:sp>
@@ -10617,7 +10553,7 @@
           <a:lstStyle/>
           <a:p>
             <a:pPr algn="ctr"/>
-            <a:endParaRPr lang="en-US"/>
+            <a:endParaRPr lang="en-US" dirty="0"/>
           </a:p>
         </p:txBody>
       </p:sp>
@@ -10695,7 +10631,7 @@
           <a:lstStyle/>
           <a:p>
             <a:pPr algn="ctr"/>
-            <a:endParaRPr lang="en-US"/>
+            <a:endParaRPr lang="en-US" dirty="0"/>
           </a:p>
         </p:txBody>
       </p:sp>
@@ -10773,7 +10709,7 @@
           <a:lstStyle/>
           <a:p>
             <a:pPr algn="ctr"/>
-            <a:endParaRPr lang="en-US"/>
+            <a:endParaRPr lang="en-US" dirty="0"/>
           </a:p>
         </p:txBody>
       </p:sp>
@@ -10851,7 +10787,7 @@
           <a:lstStyle/>
           <a:p>
             <a:pPr algn="ctr"/>
-            <a:endParaRPr lang="en-US"/>
+            <a:endParaRPr lang="en-US" dirty="0"/>
           </a:p>
         </p:txBody>
       </p:sp>
@@ -10939,7 +10875,7 @@
           <a:lstStyle/>
           <a:p>
             <a:pPr algn="ctr"/>
-            <a:endParaRPr lang="en-US"/>
+            <a:endParaRPr lang="en-US" dirty="0"/>
           </a:p>
         </p:txBody>
       </p:sp>
@@ -10998,7 +10934,7 @@
           <a:lstStyle/>
           <a:p>
             <a:pPr algn="ctr"/>
-            <a:endParaRPr lang="en-US"/>
+            <a:endParaRPr lang="en-US" dirty="0"/>
           </a:p>
         </p:txBody>
       </p:sp>
@@ -11116,7 +11052,7 @@
           <a:lstStyle/>
           <a:p>
             <a:pPr algn="ctr"/>
-            <a:endParaRPr lang="en-US"/>
+            <a:endParaRPr lang="en-US" dirty="0"/>
           </a:p>
         </p:txBody>
       </p:sp>
@@ -11175,7 +11111,7 @@
           <a:lstStyle/>
           <a:p>
             <a:pPr algn="ctr"/>
-            <a:endParaRPr lang="en-US"/>
+            <a:endParaRPr lang="en-US" dirty="0"/>
           </a:p>
         </p:txBody>
       </p:sp>
@@ -11234,7 +11170,7 @@
           <a:lstStyle/>
           <a:p>
             <a:pPr algn="ctr"/>
-            <a:endParaRPr lang="en-US"/>
+            <a:endParaRPr lang="en-US" dirty="0"/>
           </a:p>
         </p:txBody>
       </p:sp>
@@ -11457,7 +11393,7 @@
           <a:lstStyle/>
           <a:p>
             <a:pPr algn="ctr"/>
-            <a:endParaRPr lang="en-US"/>
+            <a:endParaRPr lang="en-US" dirty="0"/>
           </a:p>
         </p:txBody>
       </p:sp>
@@ -11527,7 +11463,7 @@
           <a:lstStyle/>
           <a:p>
             <a:pPr algn="ctr"/>
-            <a:endParaRPr lang="en-US"/>
+            <a:endParaRPr lang="en-US" dirty="0"/>
           </a:p>
         </p:txBody>
       </p:sp>
@@ -11597,7 +11533,7 @@
           <a:lstStyle/>
           <a:p>
             <a:pPr algn="ctr"/>
-            <a:endParaRPr lang="en-US"/>
+            <a:endParaRPr lang="en-US" dirty="0"/>
           </a:p>
         </p:txBody>
       </p:sp>
@@ -11667,7 +11603,7 @@
           <a:lstStyle/>
           <a:p>
             <a:pPr algn="ctr"/>
-            <a:endParaRPr lang="en-US"/>
+            <a:endParaRPr lang="en-US" dirty="0"/>
           </a:p>
         </p:txBody>
       </p:sp>
@@ -11737,7 +11673,7 @@
           <a:lstStyle/>
           <a:p>
             <a:pPr algn="ctr"/>
-            <a:endParaRPr lang="en-US"/>
+            <a:endParaRPr lang="en-US" dirty="0"/>
           </a:p>
         </p:txBody>
       </p:sp>
@@ -11807,7 +11743,7 @@
           <a:lstStyle/>
           <a:p>
             <a:pPr algn="ctr"/>
-            <a:endParaRPr lang="en-US"/>
+            <a:endParaRPr lang="en-US" dirty="0"/>
           </a:p>
         </p:txBody>
       </p:sp>
@@ -11877,7 +11813,7 @@
           <a:lstStyle/>
           <a:p>
             <a:pPr algn="ctr"/>
-            <a:endParaRPr lang="en-US"/>
+            <a:endParaRPr lang="en-US" dirty="0"/>
           </a:p>
         </p:txBody>
       </p:sp>
@@ -11947,7 +11883,7 @@
           <a:lstStyle/>
           <a:p>
             <a:pPr algn="ctr"/>
-            <a:endParaRPr lang="en-US"/>
+            <a:endParaRPr lang="en-US" dirty="0"/>
           </a:p>
         </p:txBody>
       </p:sp>
@@ -12017,7 +11953,7 @@
           <a:lstStyle/>
           <a:p>
             <a:pPr algn="ctr"/>
-            <a:endParaRPr lang="en-US"/>
+            <a:endParaRPr lang="en-US" dirty="0"/>
           </a:p>
         </p:txBody>
       </p:sp>
@@ -12087,7 +12023,7 @@
           <a:lstStyle/>
           <a:p>
             <a:pPr algn="ctr"/>
-            <a:endParaRPr lang="en-US"/>
+            <a:endParaRPr lang="en-US" dirty="0"/>
           </a:p>
         </p:txBody>
       </p:sp>
@@ -12157,7 +12093,7 @@
           <a:lstStyle/>
           <a:p>
             <a:pPr algn="ctr"/>
-            <a:endParaRPr lang="en-US"/>
+            <a:endParaRPr lang="en-US" dirty="0"/>
           </a:p>
         </p:txBody>
       </p:sp>
@@ -12227,7 +12163,7 @@
           <a:lstStyle/>
           <a:p>
             <a:pPr algn="ctr"/>
-            <a:endParaRPr lang="en-US"/>
+            <a:endParaRPr lang="en-US" dirty="0"/>
           </a:p>
         </p:txBody>
       </p:sp>
@@ -12297,7 +12233,7 @@
           <a:lstStyle/>
           <a:p>
             <a:pPr algn="ctr"/>
-            <a:endParaRPr lang="en-US"/>
+            <a:endParaRPr lang="en-US" dirty="0"/>
           </a:p>
         </p:txBody>
       </p:sp>
@@ -12367,7 +12303,7 @@
           <a:lstStyle/>
           <a:p>
             <a:pPr algn="ctr"/>
-            <a:endParaRPr lang="en-US"/>
+            <a:endParaRPr lang="en-US" dirty="0"/>
           </a:p>
         </p:txBody>
       </p:sp>
@@ -12437,7 +12373,7 @@
           <a:lstStyle/>
           <a:p>
             <a:pPr algn="ctr"/>
-            <a:endParaRPr lang="en-US"/>
+            <a:endParaRPr lang="en-US" dirty="0"/>
           </a:p>
         </p:txBody>
       </p:sp>
@@ -12520,7 +12456,7 @@
           <a:lstStyle/>
           <a:p>
             <a:pPr algn="ctr"/>
-            <a:endParaRPr lang="en-US"/>
+            <a:endParaRPr lang="en-US" dirty="0"/>
           </a:p>
         </p:txBody>
       </p:sp>
@@ -12590,7 +12526,7 @@
           <a:lstStyle/>
           <a:p>
             <a:pPr algn="ctr"/>
-            <a:endParaRPr lang="en-US"/>
+            <a:endParaRPr lang="en-US" dirty="0"/>
           </a:p>
         </p:txBody>
       </p:sp>
@@ -12660,7 +12596,7 @@
           <a:lstStyle/>
           <a:p>
             <a:pPr algn="ctr"/>
-            <a:endParaRPr lang="en-US"/>
+            <a:endParaRPr lang="en-US" dirty="0"/>
           </a:p>
         </p:txBody>
       </p:sp>
@@ -12730,7 +12666,7 @@
           <a:lstStyle/>
           <a:p>
             <a:pPr algn="ctr"/>
-            <a:endParaRPr lang="en-US"/>
+            <a:endParaRPr lang="en-US" dirty="0"/>
           </a:p>
         </p:txBody>
       </p:sp>
@@ -12800,7 +12736,7 @@
           <a:lstStyle/>
           <a:p>
             <a:pPr algn="ctr"/>
-            <a:endParaRPr lang="en-US"/>
+            <a:endParaRPr lang="en-US" dirty="0"/>
           </a:p>
         </p:txBody>
       </p:sp>
@@ -12870,7 +12806,7 @@
           <a:lstStyle/>
           <a:p>
             <a:pPr algn="ctr"/>
-            <a:endParaRPr lang="en-US"/>
+            <a:endParaRPr lang="en-US" dirty="0"/>
           </a:p>
         </p:txBody>
       </p:sp>
@@ -12940,7 +12876,7 @@
           <a:lstStyle/>
           <a:p>
             <a:pPr algn="ctr"/>
-            <a:endParaRPr lang="en-US"/>
+            <a:endParaRPr lang="en-US" dirty="0"/>
           </a:p>
         </p:txBody>
       </p:sp>
@@ -13023,7 +12959,7 @@
           <a:lstStyle/>
           <a:p>
             <a:pPr algn="ctr"/>
-            <a:endParaRPr lang="en-US"/>
+            <a:endParaRPr lang="en-US" dirty="0"/>
           </a:p>
         </p:txBody>
       </p:sp>
@@ -13106,7 +13042,7 @@
           <a:lstStyle/>
           <a:p>
             <a:pPr algn="ctr"/>
-            <a:endParaRPr lang="en-US"/>
+            <a:endParaRPr lang="en-US" dirty="0"/>
           </a:p>
         </p:txBody>
       </p:sp>
@@ -13189,7 +13125,7 @@
           <a:lstStyle/>
           <a:p>
             <a:pPr algn="ctr"/>
-            <a:endParaRPr lang="en-US"/>
+            <a:endParaRPr lang="en-US" dirty="0"/>
           </a:p>
         </p:txBody>
       </p:sp>
@@ -13259,7 +13195,7 @@
           <a:lstStyle/>
           <a:p>
             <a:pPr algn="ctr"/>
-            <a:endParaRPr lang="en-US"/>
+            <a:endParaRPr lang="en-US" dirty="0"/>
           </a:p>
         </p:txBody>
       </p:sp>
@@ -13329,7 +13265,7 @@
           <a:lstStyle/>
           <a:p>
             <a:pPr algn="ctr"/>
-            <a:endParaRPr lang="en-US"/>
+            <a:endParaRPr lang="en-US" dirty="0"/>
           </a:p>
         </p:txBody>
       </p:sp>
@@ -13399,7 +13335,7 @@
           <a:lstStyle/>
           <a:p>
             <a:pPr algn="ctr"/>
-            <a:endParaRPr lang="en-US"/>
+            <a:endParaRPr lang="en-US" dirty="0"/>
           </a:p>
         </p:txBody>
       </p:sp>
@@ -13437,22 +13373,13 @@
           <a:p>
             <a:pPr algn="ctr"/>
             <a:r>
-              <a:rPr lang="en-US" sz="1200" b="1" dirty="0" err="1">
-                <a:solidFill>
-                  <a:schemeClr val="dk1"/>
-                </a:solidFill>
-                <a:latin typeface="Calibri" panose="020F0502020204030204" pitchFamily="34" charset="0"/>
-              </a:rPr>
-              <a:t>Marchine</a:t>
-            </a:r>
-            <a:r>
               <a:rPr lang="en-US" sz="1200" b="1" dirty="0">
                 <a:solidFill>
                   <a:schemeClr val="dk1"/>
                 </a:solidFill>
                 <a:latin typeface="Calibri" panose="020F0502020204030204" pitchFamily="34" charset="0"/>
               </a:rPr>
-              <a:t> Learning</a:t>
+              <a:t>Machine Learning</a:t>
             </a:r>
           </a:p>
         </p:txBody>
@@ -13491,20 +13418,14 @@
           <a:p>
             <a:pPr algn="ctr"/>
             <a:r>
-              <a:rPr lang="en-US" sz="1200" b="1" dirty="0" err="1">
+              <a:rPr lang="en-US" sz="1200" b="1" dirty="0">
                 <a:solidFill>
                   <a:srgbClr val="1B1013"/>
                 </a:solidFill>
                 <a:latin typeface="Calibri" panose="020F0502020204030204" pitchFamily="34" charset="0"/>
               </a:rPr>
-              <a:t>Github</a:t>
+              <a:t>GitHub</a:t>
             </a:r>
-            <a:endParaRPr lang="en-US" sz="1200" b="1" dirty="0">
-              <a:solidFill>
-                <a:srgbClr val="1B1013"/>
-              </a:solidFill>
-              <a:latin typeface="Calibri" panose="020F0502020204030204" pitchFamily="34" charset="0"/>
-            </a:endParaRPr>
           </a:p>
         </p:txBody>
       </p:sp>
@@ -13711,7 +13632,7 @@
           <a:lstStyle/>
           <a:p>
             <a:pPr algn="ctr"/>
-            <a:endParaRPr lang="en-US"/>
+            <a:endParaRPr lang="en-US" dirty="0"/>
           </a:p>
         </p:txBody>
       </p:sp>
@@ -14101,7 +14022,7 @@
           <a:lstStyle/>
           <a:p>
             <a:r>
-              <a:rPr lang="en-US" sz="1100" b="1" spc="-6">
+              <a:rPr lang="en-US" sz="1100" b="1" spc="-6" dirty="0">
                 <a:solidFill>
                   <a:schemeClr val="dk1"/>
                 </a:solidFill>
@@ -14189,22 +14110,13 @@
           <a:lstStyle/>
           <a:p>
             <a:r>
-              <a:rPr lang="en-US" sz="1100" b="1" spc="-6" dirty="0" err="1">
-                <a:solidFill>
-                  <a:schemeClr val="dk1"/>
-                </a:solidFill>
-                <a:latin typeface="Calibri" panose="020F0502020204030204" pitchFamily="34" charset="0"/>
-              </a:rPr>
-              <a:t>Presenation</a:t>
-            </a:r>
-            <a:r>
               <a:rPr lang="en-US" sz="1100" b="1" spc="-6" dirty="0">
                 <a:solidFill>
                   <a:schemeClr val="dk1"/>
                 </a:solidFill>
                 <a:latin typeface="Calibri" panose="020F0502020204030204" pitchFamily="34" charset="0"/>
               </a:rPr>
-              <a:t> Outlines</a:t>
+              <a:t>Presentation Outlines</a:t>
             </a:r>
           </a:p>
         </p:txBody>
@@ -15262,7 +15174,7 @@
           <a:lstStyle/>
           <a:p>
             <a:pPr algn="ctr"/>
-            <a:endParaRPr lang="en-US"/>
+            <a:endParaRPr lang="en-US" dirty="0"/>
           </a:p>
         </p:txBody>
       </p:sp>
@@ -15420,7 +15332,7 @@
           <a:lstStyle/>
           <a:p>
             <a:pPr algn="ctr"/>
-            <a:endParaRPr lang="en-US"/>
+            <a:endParaRPr lang="en-US" dirty="0"/>
           </a:p>
         </p:txBody>
       </p:sp>
@@ -15578,7 +15490,7 @@
           <a:lstStyle/>
           <a:p>
             <a:pPr algn="ctr"/>
-            <a:endParaRPr lang="en-US"/>
+            <a:endParaRPr lang="en-US" dirty="0"/>
           </a:p>
         </p:txBody>
       </p:sp>
@@ -15956,7 +15868,7 @@
           <a:lstStyle/>
           <a:p>
             <a:pPr algn="ctr"/>
-            <a:endParaRPr lang="en-US"/>
+            <a:endParaRPr lang="en-US" dirty="0"/>
           </a:p>
         </p:txBody>
       </p:sp>
@@ -16026,7 +15938,7 @@
           <a:lstStyle/>
           <a:p>
             <a:pPr algn="ctr"/>
-            <a:endParaRPr lang="en-US"/>
+            <a:endParaRPr lang="en-US" dirty="0"/>
           </a:p>
         </p:txBody>
       </p:sp>
@@ -16197,7 +16109,7 @@
           <a:lstStyle/>
           <a:p>
             <a:pPr algn="ctr"/>
-            <a:endParaRPr lang="en-US"/>
+            <a:endParaRPr lang="en-US" dirty="0"/>
           </a:p>
         </p:txBody>
       </p:sp>
@@ -16495,7 +16407,7 @@
           <p:nvPr>
             <p:extLst>
               <p:ext uri="{D42A27DB-BD31-4B8C-83A1-F6EECF244321}">
-                <p14:modId xmlns:p14="http://schemas.microsoft.com/office/powerpoint/2010/main" val="2420166335"/>
+                <p14:modId xmlns:p14="http://schemas.microsoft.com/office/powerpoint/2010/main" val="1662525605"/>
               </p:ext>
             </p:extLst>
           </p:nvPr>

--- a/Resources/Project-Roadmap-PowerPoint-Group3.pptx
+++ b/Resources/Project-Roadmap-PowerPoint-Group3.pptx
@@ -1981,7 +1981,7 @@
         <a:p>
           <a:r>
             <a:rPr lang="en-CA" dirty="0"/>
-            <a:t>Weekly meeting (zoom) </a:t>
+            <a:t>Weekly meeting (zoom) &amp; Slack</a:t>
           </a:r>
           <a:endParaRPr lang="pt-BR" dirty="0"/>
         </a:p>
@@ -2165,10 +2165,10 @@
         <a:lstStyle/>
         <a:p>
           <a:r>
-            <a:rPr lang="en-US" b="0" i="0"/>
+            <a:rPr lang="en-US" b="0" i="0" dirty="0"/>
             <a:t>Decision making process: Common sense or voting </a:t>
           </a:r>
-          <a:endParaRPr lang="en-US"/>
+          <a:endParaRPr lang="en-US" dirty="0"/>
         </a:p>
       </dgm:t>
     </dgm:pt>
@@ -2518,39 +2518,7 @@
         <a:p>
           <a:r>
             <a:rPr lang="en-CA" dirty="0"/>
-            <a:t>ETL | Cleaning the data (</a:t>
-          </a:r>
-          <a:r>
-            <a:rPr lang="en-CA" dirty="0" err="1"/>
-            <a:t>duolicates</a:t>
-          </a:r>
-          <a:r>
-            <a:rPr lang="en-CA" dirty="0"/>
-            <a:t>, null values, remove HTML tags, special </a:t>
-          </a:r>
-          <a:r>
-            <a:rPr lang="en-CA" dirty="0" err="1"/>
-            <a:t>caracters</a:t>
-          </a:r>
-          <a:r>
-            <a:rPr lang="en-CA" dirty="0"/>
-            <a:t>, convert everything to </a:t>
-          </a:r>
-          <a:r>
-            <a:rPr lang="en-CA" dirty="0" err="1"/>
-            <a:t>lowcase</a:t>
-          </a:r>
-          <a:r>
-            <a:rPr lang="en-CA" dirty="0"/>
-            <a:t>, </a:t>
-          </a:r>
-          <a:r>
-            <a:rPr lang="en-CA" dirty="0" err="1"/>
-            <a:t>etc</a:t>
-          </a:r>
-          <a:r>
-            <a:rPr lang="en-CA" dirty="0"/>
-            <a:t>)</a:t>
+            <a:t>ETL | Cleaning the data (duplicates, null values, remove HTML tags, special characters, convert everything to lowercase, etc.)</a:t>
           </a:r>
           <a:endParaRPr lang="pt-BR" dirty="0"/>
         </a:p>
@@ -3029,7 +2997,7 @@
           </a:pPr>
           <a:r>
             <a:rPr lang="en-CA" sz="1700" kern="1200" dirty="0"/>
-            <a:t>Weekly meeting (zoom) </a:t>
+            <a:t>Weekly meeting (zoom) &amp; Slack</a:t>
           </a:r>
           <a:endParaRPr lang="pt-BR" sz="1700" kern="1200" dirty="0"/>
         </a:p>
@@ -3668,10 +3636,10 @@
             <a:buNone/>
           </a:pPr>
           <a:r>
-            <a:rPr lang="en-US" sz="1700" b="0" i="0" kern="1200"/>
+            <a:rPr lang="en-US" sz="1700" b="0" i="0" kern="1200" dirty="0"/>
             <a:t>Decision making process: Common sense or voting </a:t>
           </a:r>
-          <a:endParaRPr lang="en-US" sz="1700" kern="1200"/>
+          <a:endParaRPr lang="en-US" sz="1700" kern="1200" dirty="0"/>
         </a:p>
       </dsp:txBody>
       <dsp:txXfrm>
@@ -3879,39 +3847,7 @@
           </a:pPr>
           <a:r>
             <a:rPr lang="en-CA" sz="1500" kern="1200" dirty="0"/>
-            <a:t>ETL | Cleaning the data (</a:t>
-          </a:r>
-          <a:r>
-            <a:rPr lang="en-CA" sz="1500" kern="1200" dirty="0" err="1"/>
-            <a:t>duolicates</a:t>
-          </a:r>
-          <a:r>
-            <a:rPr lang="en-CA" sz="1500" kern="1200" dirty="0"/>
-            <a:t>, null values, remove HTML tags, special </a:t>
-          </a:r>
-          <a:r>
-            <a:rPr lang="en-CA" sz="1500" kern="1200" dirty="0" err="1"/>
-            <a:t>caracters</a:t>
-          </a:r>
-          <a:r>
-            <a:rPr lang="en-CA" sz="1500" kern="1200" dirty="0"/>
-            <a:t>, convert everything to </a:t>
-          </a:r>
-          <a:r>
-            <a:rPr lang="en-CA" sz="1500" kern="1200" dirty="0" err="1"/>
-            <a:t>lowcase</a:t>
-          </a:r>
-          <a:r>
-            <a:rPr lang="en-CA" sz="1500" kern="1200" dirty="0"/>
-            <a:t>, </a:t>
-          </a:r>
-          <a:r>
-            <a:rPr lang="en-CA" sz="1500" kern="1200" dirty="0" err="1"/>
-            <a:t>etc</a:t>
-          </a:r>
-          <a:r>
-            <a:rPr lang="en-CA" sz="1500" kern="1200" dirty="0"/>
-            <a:t>)</a:t>
+            <a:t>ETL | Cleaning the data (duplicates, null values, remove HTML tags, special characters, convert everything to lowercase, etc.)</a:t>
           </a:r>
           <a:endParaRPr lang="pt-BR" sz="1500" kern="1200" dirty="0"/>
         </a:p>
@@ -6816,7 +6752,7 @@
             </a:lvl1pPr>
           </a:lstStyle>
           <a:p>
-            <a:endParaRPr lang="en-US"/>
+            <a:endParaRPr lang="en-US" dirty="0"/>
           </a:p>
         </p:txBody>
       </p:sp>
@@ -6851,7 +6787,7 @@
               <a:rPr lang="en-US" smtClean="0"/>
               <a:t>3/19/2022</a:t>
             </a:fld>
-            <a:endParaRPr lang="en-US"/>
+            <a:endParaRPr lang="en-US" dirty="0"/>
           </a:p>
         </p:txBody>
       </p:sp>
@@ -6884,7 +6820,7 @@
           <a:bodyPr vert="horz" lIns="91440" tIns="45720" rIns="91440" bIns="45720" rtlCol="0" anchor="ctr"/>
           <a:lstStyle/>
           <a:p>
-            <a:endParaRPr lang="en-US"/>
+            <a:endParaRPr lang="en-US" dirty="0"/>
           </a:p>
         </p:txBody>
       </p:sp>
@@ -6974,7 +6910,7 @@
             </a:lvl1pPr>
           </a:lstStyle>
           <a:p>
-            <a:endParaRPr lang="en-US"/>
+            <a:endParaRPr lang="en-US" dirty="0"/>
           </a:p>
         </p:txBody>
       </p:sp>
@@ -7009,7 +6945,7 @@
               <a:rPr lang="en-US" smtClean="0"/>
               <a:t>‹#›</a:t>
             </a:fld>
-            <a:endParaRPr lang="en-US"/>
+            <a:endParaRPr lang="en-US" dirty="0"/>
           </a:p>
         </p:txBody>
       </p:sp>
@@ -7265,7 +7201,7 @@
               <a:rPr lang="en-US" smtClean="0"/>
               <a:t>3/19/2022</a:t>
             </a:fld>
-            <a:endParaRPr lang="en-US"/>
+            <a:endParaRPr lang="en-US" dirty="0"/>
           </a:p>
         </p:txBody>
       </p:sp>
@@ -7290,7 +7226,7 @@
           <a:bodyPr/>
           <a:lstStyle/>
           <a:p>
-            <a:endParaRPr lang="en-US"/>
+            <a:endParaRPr lang="en-US" dirty="0"/>
           </a:p>
         </p:txBody>
       </p:sp>
@@ -7319,7 +7255,7 @@
               <a:rPr lang="en-US" smtClean="0"/>
               <a:t>‹#›</a:t>
             </a:fld>
-            <a:endParaRPr lang="en-US"/>
+            <a:endParaRPr lang="en-US" dirty="0"/>
           </a:p>
         </p:txBody>
       </p:sp>
@@ -7468,7 +7404,7 @@
               <a:rPr lang="en-US" smtClean="0"/>
               <a:t>3/19/2022</a:t>
             </a:fld>
-            <a:endParaRPr lang="en-US"/>
+            <a:endParaRPr lang="en-US" dirty="0"/>
           </a:p>
         </p:txBody>
       </p:sp>
@@ -7493,7 +7429,7 @@
           <a:bodyPr/>
           <a:lstStyle/>
           <a:p>
-            <a:endParaRPr lang="en-US"/>
+            <a:endParaRPr lang="en-US" dirty="0"/>
           </a:p>
         </p:txBody>
       </p:sp>
@@ -7522,7 +7458,7 @@
               <a:rPr lang="en-US" smtClean="0"/>
               <a:t>‹#›</a:t>
             </a:fld>
-            <a:endParaRPr lang="en-US"/>
+            <a:endParaRPr lang="en-US" dirty="0"/>
           </a:p>
         </p:txBody>
       </p:sp>
@@ -7676,7 +7612,7 @@
               <a:rPr lang="en-US" smtClean="0"/>
               <a:t>3/19/2022</a:t>
             </a:fld>
-            <a:endParaRPr lang="en-US"/>
+            <a:endParaRPr lang="en-US" dirty="0"/>
           </a:p>
         </p:txBody>
       </p:sp>
@@ -7701,7 +7637,7 @@
           <a:bodyPr/>
           <a:lstStyle/>
           <a:p>
-            <a:endParaRPr lang="en-US"/>
+            <a:endParaRPr lang="en-US" dirty="0"/>
           </a:p>
         </p:txBody>
       </p:sp>
@@ -7730,7 +7666,7 @@
               <a:rPr lang="en-US" smtClean="0"/>
               <a:t>‹#›</a:t>
             </a:fld>
-            <a:endParaRPr lang="en-US"/>
+            <a:endParaRPr lang="en-US" dirty="0"/>
           </a:p>
         </p:txBody>
       </p:sp>
@@ -7879,7 +7815,7 @@
               <a:rPr lang="en-US" smtClean="0"/>
               <a:t>3/19/2022</a:t>
             </a:fld>
-            <a:endParaRPr lang="en-US"/>
+            <a:endParaRPr lang="en-US" dirty="0"/>
           </a:p>
         </p:txBody>
       </p:sp>
@@ -7904,7 +7840,7 @@
           <a:bodyPr/>
           <a:lstStyle/>
           <a:p>
-            <a:endParaRPr lang="en-US"/>
+            <a:endParaRPr lang="en-US" dirty="0"/>
           </a:p>
         </p:txBody>
       </p:sp>
@@ -7933,7 +7869,7 @@
               <a:rPr lang="en-US" smtClean="0"/>
               <a:t>‹#›</a:t>
             </a:fld>
-            <a:endParaRPr lang="en-US"/>
+            <a:endParaRPr lang="en-US" dirty="0"/>
           </a:p>
         </p:txBody>
       </p:sp>
@@ -8154,7 +8090,7 @@
               <a:rPr lang="en-US" smtClean="0"/>
               <a:t>3/19/2022</a:t>
             </a:fld>
-            <a:endParaRPr lang="en-US"/>
+            <a:endParaRPr lang="en-US" dirty="0"/>
           </a:p>
         </p:txBody>
       </p:sp>
@@ -8179,7 +8115,7 @@
           <a:bodyPr/>
           <a:lstStyle/>
           <a:p>
-            <a:endParaRPr lang="en-US"/>
+            <a:endParaRPr lang="en-US" dirty="0"/>
           </a:p>
         </p:txBody>
       </p:sp>
@@ -8208,7 +8144,7 @@
               <a:rPr lang="en-US" smtClean="0"/>
               <a:t>‹#›</a:t>
             </a:fld>
-            <a:endParaRPr lang="en-US"/>
+            <a:endParaRPr lang="en-US" dirty="0"/>
           </a:p>
         </p:txBody>
       </p:sp>
@@ -8424,7 +8360,7 @@
               <a:rPr lang="en-US" smtClean="0"/>
               <a:t>3/19/2022</a:t>
             </a:fld>
-            <a:endParaRPr lang="en-US"/>
+            <a:endParaRPr lang="en-US" dirty="0"/>
           </a:p>
         </p:txBody>
       </p:sp>
@@ -8449,7 +8385,7 @@
           <a:bodyPr/>
           <a:lstStyle/>
           <a:p>
-            <a:endParaRPr lang="en-US"/>
+            <a:endParaRPr lang="en-US" dirty="0"/>
           </a:p>
         </p:txBody>
       </p:sp>
@@ -8478,7 +8414,7 @@
               <a:rPr lang="en-US" smtClean="0"/>
               <a:t>‹#›</a:t>
             </a:fld>
-            <a:endParaRPr lang="en-US"/>
+            <a:endParaRPr lang="en-US" dirty="0"/>
           </a:p>
         </p:txBody>
       </p:sp>
@@ -8841,7 +8777,7 @@
               <a:rPr lang="en-US" smtClean="0"/>
               <a:t>3/19/2022</a:t>
             </a:fld>
-            <a:endParaRPr lang="en-US"/>
+            <a:endParaRPr lang="en-US" dirty="0"/>
           </a:p>
         </p:txBody>
       </p:sp>
@@ -8866,7 +8802,7 @@
           <a:bodyPr/>
           <a:lstStyle/>
           <a:p>
-            <a:endParaRPr lang="en-US"/>
+            <a:endParaRPr lang="en-US" dirty="0"/>
           </a:p>
         </p:txBody>
       </p:sp>
@@ -8895,7 +8831,7 @@
               <a:rPr lang="en-US" smtClean="0"/>
               <a:t>‹#›</a:t>
             </a:fld>
-            <a:endParaRPr lang="en-US"/>
+            <a:endParaRPr lang="en-US" dirty="0"/>
           </a:p>
         </p:txBody>
       </p:sp>
@@ -8987,7 +8923,7 @@
               <a:rPr lang="en-US" smtClean="0"/>
               <a:t>3/19/2022</a:t>
             </a:fld>
-            <a:endParaRPr lang="en-US"/>
+            <a:endParaRPr lang="en-US" dirty="0"/>
           </a:p>
         </p:txBody>
       </p:sp>
@@ -9012,7 +8948,7 @@
           <a:bodyPr/>
           <a:lstStyle/>
           <a:p>
-            <a:endParaRPr lang="en-US"/>
+            <a:endParaRPr lang="en-US" dirty="0"/>
           </a:p>
         </p:txBody>
       </p:sp>
@@ -9041,7 +8977,7 @@
               <a:rPr lang="en-US" smtClean="0"/>
               <a:t>‹#›</a:t>
             </a:fld>
-            <a:endParaRPr lang="en-US"/>
+            <a:endParaRPr lang="en-US" dirty="0"/>
           </a:p>
         </p:txBody>
       </p:sp>
@@ -9100,7 +9036,7 @@
               <a:rPr lang="en-US" smtClean="0"/>
               <a:t>3/19/2022</a:t>
             </a:fld>
-            <a:endParaRPr lang="en-US"/>
+            <a:endParaRPr lang="en-US" dirty="0"/>
           </a:p>
         </p:txBody>
       </p:sp>
@@ -9125,7 +9061,7 @@
           <a:bodyPr/>
           <a:lstStyle/>
           <a:p>
-            <a:endParaRPr lang="en-US"/>
+            <a:endParaRPr lang="en-US" dirty="0"/>
           </a:p>
         </p:txBody>
       </p:sp>
@@ -9154,7 +9090,7 @@
               <a:rPr lang="en-US" smtClean="0"/>
               <a:t>‹#›</a:t>
             </a:fld>
-            <a:endParaRPr lang="en-US"/>
+            <a:endParaRPr lang="en-US" dirty="0"/>
           </a:p>
         </p:txBody>
       </p:sp>
@@ -9411,7 +9347,7 @@
               <a:rPr lang="en-US" smtClean="0"/>
               <a:t>3/19/2022</a:t>
             </a:fld>
-            <a:endParaRPr lang="en-US"/>
+            <a:endParaRPr lang="en-US" dirty="0"/>
           </a:p>
         </p:txBody>
       </p:sp>
@@ -9436,7 +9372,7 @@
           <a:bodyPr/>
           <a:lstStyle/>
           <a:p>
-            <a:endParaRPr lang="en-US"/>
+            <a:endParaRPr lang="en-US" dirty="0"/>
           </a:p>
         </p:txBody>
       </p:sp>
@@ -9465,7 +9401,7 @@
               <a:rPr lang="en-US" smtClean="0"/>
               <a:t>‹#›</a:t>
             </a:fld>
-            <a:endParaRPr lang="en-US"/>
+            <a:endParaRPr lang="en-US" dirty="0"/>
           </a:p>
         </p:txBody>
       </p:sp>
@@ -9604,7 +9540,7 @@
             </a:lvl9pPr>
           </a:lstStyle>
           <a:p>
-            <a:endParaRPr lang="en-US"/>
+            <a:endParaRPr lang="en-US" dirty="0"/>
           </a:p>
         </p:txBody>
       </p:sp>
@@ -9704,7 +9640,7 @@
               <a:rPr lang="en-US" smtClean="0"/>
               <a:t>3/19/2022</a:t>
             </a:fld>
-            <a:endParaRPr lang="en-US"/>
+            <a:endParaRPr lang="en-US" dirty="0"/>
           </a:p>
         </p:txBody>
       </p:sp>
@@ -9729,7 +9665,7 @@
           <a:bodyPr/>
           <a:lstStyle/>
           <a:p>
-            <a:endParaRPr lang="en-US"/>
+            <a:endParaRPr lang="en-US" dirty="0"/>
           </a:p>
         </p:txBody>
       </p:sp>
@@ -9758,7 +9694,7 @@
               <a:rPr lang="en-US" smtClean="0"/>
               <a:t>‹#›</a:t>
             </a:fld>
-            <a:endParaRPr lang="en-US"/>
+            <a:endParaRPr lang="en-US" dirty="0"/>
           </a:p>
         </p:txBody>
       </p:sp>
@@ -9945,7 +9881,7 @@
               <a:rPr lang="en-US" smtClean="0"/>
               <a:t>3/19/2022</a:t>
             </a:fld>
-            <a:endParaRPr lang="en-US"/>
+            <a:endParaRPr lang="en-US" dirty="0"/>
           </a:p>
         </p:txBody>
       </p:sp>
@@ -9988,7 +9924,7 @@
             </a:lvl1pPr>
           </a:lstStyle>
           <a:p>
-            <a:endParaRPr lang="en-US"/>
+            <a:endParaRPr lang="en-US" dirty="0"/>
           </a:p>
         </p:txBody>
       </p:sp>
@@ -10035,7 +9971,7 @@
               <a:rPr lang="en-US" smtClean="0"/>
               <a:t>‹#›</a:t>
             </a:fld>
-            <a:endParaRPr lang="en-US"/>
+            <a:endParaRPr lang="en-US" dirty="0"/>
           </a:p>
         </p:txBody>
       </p:sp>
@@ -10378,7 +10314,7 @@
           <p:nvPr>
             <p:extLst>
               <p:ext uri="{D42A27DB-BD31-4B8C-83A1-F6EECF244321}">
-                <p14:modId xmlns:p14="http://schemas.microsoft.com/office/powerpoint/2010/main" val="3141213367"/>
+                <p14:modId xmlns:p14="http://schemas.microsoft.com/office/powerpoint/2010/main" val="3974894523"/>
               </p:ext>
             </p:extLst>
           </p:nvPr>
@@ -10407,8 +10343,8 @@
         </p:nvSpPr>
         <p:spPr>
           <a:xfrm>
-            <a:off x="2699935" y="11780"/>
-            <a:ext cx="6188521" cy="707886"/>
+            <a:off x="1023457" y="11780"/>
+            <a:ext cx="10268125" cy="584775"/>
           </a:xfrm>
           <a:prstGeom prst="rect">
             <a:avLst/>
@@ -10422,13 +10358,13 @@
           <a:lstStyle/>
           <a:p>
             <a:r>
-              <a:rPr lang="en-GB" sz="4000" dirty="0">
+              <a:rPr lang="en-GB" sz="3200" dirty="0">
                 <a:latin typeface="Segoe UI" panose="020B0502040204020203" pitchFamily="34" charset="0"/>
                 <a:cs typeface="Segoe UI" panose="020B0502040204020203" pitchFamily="34" charset="0"/>
               </a:rPr>
-              <a:t>Group 3 commitments</a:t>
+              <a:t>Group 3 commitments | Communications Protocol</a:t>
             </a:r>
-            <a:endParaRPr lang="en-US" sz="4000" dirty="0">
+            <a:endParaRPr lang="en-US" sz="3200" dirty="0">
               <a:latin typeface="Segoe UI" panose="020B0502040204020203" pitchFamily="34" charset="0"/>
               <a:cs typeface="Segoe UI" panose="020B0502040204020203" pitchFamily="34" charset="0"/>
             </a:endParaRPr>
@@ -10539,7 +10475,7 @@
           <a:lstStyle/>
           <a:p>
             <a:pPr algn="ctr"/>
-            <a:endParaRPr lang="en-US"/>
+            <a:endParaRPr lang="en-US" dirty="0"/>
           </a:p>
         </p:txBody>
       </p:sp>
@@ -10617,7 +10553,7 @@
           <a:lstStyle/>
           <a:p>
             <a:pPr algn="ctr"/>
-            <a:endParaRPr lang="en-US"/>
+            <a:endParaRPr lang="en-US" dirty="0"/>
           </a:p>
         </p:txBody>
       </p:sp>
@@ -10695,7 +10631,7 @@
           <a:lstStyle/>
           <a:p>
             <a:pPr algn="ctr"/>
-            <a:endParaRPr lang="en-US"/>
+            <a:endParaRPr lang="en-US" dirty="0"/>
           </a:p>
         </p:txBody>
       </p:sp>
@@ -10773,7 +10709,7 @@
           <a:lstStyle/>
           <a:p>
             <a:pPr algn="ctr"/>
-            <a:endParaRPr lang="en-US"/>
+            <a:endParaRPr lang="en-US" dirty="0"/>
           </a:p>
         </p:txBody>
       </p:sp>
@@ -10851,7 +10787,7 @@
           <a:lstStyle/>
           <a:p>
             <a:pPr algn="ctr"/>
-            <a:endParaRPr lang="en-US"/>
+            <a:endParaRPr lang="en-US" dirty="0"/>
           </a:p>
         </p:txBody>
       </p:sp>
@@ -10939,7 +10875,7 @@
           <a:lstStyle/>
           <a:p>
             <a:pPr algn="ctr"/>
-            <a:endParaRPr lang="en-US"/>
+            <a:endParaRPr lang="en-US" dirty="0"/>
           </a:p>
         </p:txBody>
       </p:sp>
@@ -10998,7 +10934,7 @@
           <a:lstStyle/>
           <a:p>
             <a:pPr algn="ctr"/>
-            <a:endParaRPr lang="en-US"/>
+            <a:endParaRPr lang="en-US" dirty="0"/>
           </a:p>
         </p:txBody>
       </p:sp>
@@ -11116,7 +11052,7 @@
           <a:lstStyle/>
           <a:p>
             <a:pPr algn="ctr"/>
-            <a:endParaRPr lang="en-US"/>
+            <a:endParaRPr lang="en-US" dirty="0"/>
           </a:p>
         </p:txBody>
       </p:sp>
@@ -11175,7 +11111,7 @@
           <a:lstStyle/>
           <a:p>
             <a:pPr algn="ctr"/>
-            <a:endParaRPr lang="en-US"/>
+            <a:endParaRPr lang="en-US" dirty="0"/>
           </a:p>
         </p:txBody>
       </p:sp>
@@ -11234,7 +11170,7 @@
           <a:lstStyle/>
           <a:p>
             <a:pPr algn="ctr"/>
-            <a:endParaRPr lang="en-US"/>
+            <a:endParaRPr lang="en-US" dirty="0"/>
           </a:p>
         </p:txBody>
       </p:sp>
@@ -11457,7 +11393,7 @@
           <a:lstStyle/>
           <a:p>
             <a:pPr algn="ctr"/>
-            <a:endParaRPr lang="en-US"/>
+            <a:endParaRPr lang="en-US" dirty="0"/>
           </a:p>
         </p:txBody>
       </p:sp>
@@ -11527,7 +11463,7 @@
           <a:lstStyle/>
           <a:p>
             <a:pPr algn="ctr"/>
-            <a:endParaRPr lang="en-US"/>
+            <a:endParaRPr lang="en-US" dirty="0"/>
           </a:p>
         </p:txBody>
       </p:sp>
@@ -11597,7 +11533,7 @@
           <a:lstStyle/>
           <a:p>
             <a:pPr algn="ctr"/>
-            <a:endParaRPr lang="en-US"/>
+            <a:endParaRPr lang="en-US" dirty="0"/>
           </a:p>
         </p:txBody>
       </p:sp>
@@ -11667,7 +11603,7 @@
           <a:lstStyle/>
           <a:p>
             <a:pPr algn="ctr"/>
-            <a:endParaRPr lang="en-US"/>
+            <a:endParaRPr lang="en-US" dirty="0"/>
           </a:p>
         </p:txBody>
       </p:sp>
@@ -11737,7 +11673,7 @@
           <a:lstStyle/>
           <a:p>
             <a:pPr algn="ctr"/>
-            <a:endParaRPr lang="en-US"/>
+            <a:endParaRPr lang="en-US" dirty="0"/>
           </a:p>
         </p:txBody>
       </p:sp>
@@ -11807,7 +11743,7 @@
           <a:lstStyle/>
           <a:p>
             <a:pPr algn="ctr"/>
-            <a:endParaRPr lang="en-US"/>
+            <a:endParaRPr lang="en-US" dirty="0"/>
           </a:p>
         </p:txBody>
       </p:sp>
@@ -11877,7 +11813,7 @@
           <a:lstStyle/>
           <a:p>
             <a:pPr algn="ctr"/>
-            <a:endParaRPr lang="en-US"/>
+            <a:endParaRPr lang="en-US" dirty="0"/>
           </a:p>
         </p:txBody>
       </p:sp>
@@ -11947,7 +11883,7 @@
           <a:lstStyle/>
           <a:p>
             <a:pPr algn="ctr"/>
-            <a:endParaRPr lang="en-US"/>
+            <a:endParaRPr lang="en-US" dirty="0"/>
           </a:p>
         </p:txBody>
       </p:sp>
@@ -12017,7 +11953,7 @@
           <a:lstStyle/>
           <a:p>
             <a:pPr algn="ctr"/>
-            <a:endParaRPr lang="en-US"/>
+            <a:endParaRPr lang="en-US" dirty="0"/>
           </a:p>
         </p:txBody>
       </p:sp>
@@ -12087,7 +12023,7 @@
           <a:lstStyle/>
           <a:p>
             <a:pPr algn="ctr"/>
-            <a:endParaRPr lang="en-US"/>
+            <a:endParaRPr lang="en-US" dirty="0"/>
           </a:p>
         </p:txBody>
       </p:sp>
@@ -12157,7 +12093,7 @@
           <a:lstStyle/>
           <a:p>
             <a:pPr algn="ctr"/>
-            <a:endParaRPr lang="en-US"/>
+            <a:endParaRPr lang="en-US" dirty="0"/>
           </a:p>
         </p:txBody>
       </p:sp>
@@ -12227,7 +12163,7 @@
           <a:lstStyle/>
           <a:p>
             <a:pPr algn="ctr"/>
-            <a:endParaRPr lang="en-US"/>
+            <a:endParaRPr lang="en-US" dirty="0"/>
           </a:p>
         </p:txBody>
       </p:sp>
@@ -12297,7 +12233,7 @@
           <a:lstStyle/>
           <a:p>
             <a:pPr algn="ctr"/>
-            <a:endParaRPr lang="en-US"/>
+            <a:endParaRPr lang="en-US" dirty="0"/>
           </a:p>
         </p:txBody>
       </p:sp>
@@ -12367,7 +12303,7 @@
           <a:lstStyle/>
           <a:p>
             <a:pPr algn="ctr"/>
-            <a:endParaRPr lang="en-US"/>
+            <a:endParaRPr lang="en-US" dirty="0"/>
           </a:p>
         </p:txBody>
       </p:sp>
@@ -12437,7 +12373,7 @@
           <a:lstStyle/>
           <a:p>
             <a:pPr algn="ctr"/>
-            <a:endParaRPr lang="en-US"/>
+            <a:endParaRPr lang="en-US" dirty="0"/>
           </a:p>
         </p:txBody>
       </p:sp>
@@ -12520,7 +12456,7 @@
           <a:lstStyle/>
           <a:p>
             <a:pPr algn="ctr"/>
-            <a:endParaRPr lang="en-US"/>
+            <a:endParaRPr lang="en-US" dirty="0"/>
           </a:p>
         </p:txBody>
       </p:sp>
@@ -12590,7 +12526,7 @@
           <a:lstStyle/>
           <a:p>
             <a:pPr algn="ctr"/>
-            <a:endParaRPr lang="en-US"/>
+            <a:endParaRPr lang="en-US" dirty="0"/>
           </a:p>
         </p:txBody>
       </p:sp>
@@ -12660,7 +12596,7 @@
           <a:lstStyle/>
           <a:p>
             <a:pPr algn="ctr"/>
-            <a:endParaRPr lang="en-US"/>
+            <a:endParaRPr lang="en-US" dirty="0"/>
           </a:p>
         </p:txBody>
       </p:sp>
@@ -12730,7 +12666,7 @@
           <a:lstStyle/>
           <a:p>
             <a:pPr algn="ctr"/>
-            <a:endParaRPr lang="en-US"/>
+            <a:endParaRPr lang="en-US" dirty="0"/>
           </a:p>
         </p:txBody>
       </p:sp>
@@ -12800,7 +12736,7 @@
           <a:lstStyle/>
           <a:p>
             <a:pPr algn="ctr"/>
-            <a:endParaRPr lang="en-US"/>
+            <a:endParaRPr lang="en-US" dirty="0"/>
           </a:p>
         </p:txBody>
       </p:sp>
@@ -12870,7 +12806,7 @@
           <a:lstStyle/>
           <a:p>
             <a:pPr algn="ctr"/>
-            <a:endParaRPr lang="en-US"/>
+            <a:endParaRPr lang="en-US" dirty="0"/>
           </a:p>
         </p:txBody>
       </p:sp>
@@ -12940,7 +12876,7 @@
           <a:lstStyle/>
           <a:p>
             <a:pPr algn="ctr"/>
-            <a:endParaRPr lang="en-US"/>
+            <a:endParaRPr lang="en-US" dirty="0"/>
           </a:p>
         </p:txBody>
       </p:sp>
@@ -13023,7 +12959,7 @@
           <a:lstStyle/>
           <a:p>
             <a:pPr algn="ctr"/>
-            <a:endParaRPr lang="en-US"/>
+            <a:endParaRPr lang="en-US" dirty="0"/>
           </a:p>
         </p:txBody>
       </p:sp>
@@ -13106,7 +13042,7 @@
           <a:lstStyle/>
           <a:p>
             <a:pPr algn="ctr"/>
-            <a:endParaRPr lang="en-US"/>
+            <a:endParaRPr lang="en-US" dirty="0"/>
           </a:p>
         </p:txBody>
       </p:sp>
@@ -13189,7 +13125,7 @@
           <a:lstStyle/>
           <a:p>
             <a:pPr algn="ctr"/>
-            <a:endParaRPr lang="en-US"/>
+            <a:endParaRPr lang="en-US" dirty="0"/>
           </a:p>
         </p:txBody>
       </p:sp>
@@ -13259,7 +13195,7 @@
           <a:lstStyle/>
           <a:p>
             <a:pPr algn="ctr"/>
-            <a:endParaRPr lang="en-US"/>
+            <a:endParaRPr lang="en-US" dirty="0"/>
           </a:p>
         </p:txBody>
       </p:sp>
@@ -13329,7 +13265,7 @@
           <a:lstStyle/>
           <a:p>
             <a:pPr algn="ctr"/>
-            <a:endParaRPr lang="en-US"/>
+            <a:endParaRPr lang="en-US" dirty="0"/>
           </a:p>
         </p:txBody>
       </p:sp>
@@ -13399,7 +13335,7 @@
           <a:lstStyle/>
           <a:p>
             <a:pPr algn="ctr"/>
-            <a:endParaRPr lang="en-US"/>
+            <a:endParaRPr lang="en-US" dirty="0"/>
           </a:p>
         </p:txBody>
       </p:sp>
@@ -13437,22 +13373,13 @@
           <a:p>
             <a:pPr algn="ctr"/>
             <a:r>
-              <a:rPr lang="en-US" sz="1200" b="1" dirty="0" err="1">
-                <a:solidFill>
-                  <a:schemeClr val="dk1"/>
-                </a:solidFill>
-                <a:latin typeface="Calibri" panose="020F0502020204030204" pitchFamily="34" charset="0"/>
-              </a:rPr>
-              <a:t>Marchine</a:t>
-            </a:r>
-            <a:r>
               <a:rPr lang="en-US" sz="1200" b="1" dirty="0">
                 <a:solidFill>
                   <a:schemeClr val="dk1"/>
                 </a:solidFill>
                 <a:latin typeface="Calibri" panose="020F0502020204030204" pitchFamily="34" charset="0"/>
               </a:rPr>
-              <a:t> Learning</a:t>
+              <a:t>Machine Learning</a:t>
             </a:r>
           </a:p>
         </p:txBody>
@@ -13491,20 +13418,14 @@
           <a:p>
             <a:pPr algn="ctr"/>
             <a:r>
-              <a:rPr lang="en-US" sz="1200" b="1" dirty="0" err="1">
+              <a:rPr lang="en-US" sz="1200" b="1" dirty="0">
                 <a:solidFill>
                   <a:srgbClr val="1B1013"/>
                 </a:solidFill>
                 <a:latin typeface="Calibri" panose="020F0502020204030204" pitchFamily="34" charset="0"/>
               </a:rPr>
-              <a:t>Github</a:t>
+              <a:t>GitHub</a:t>
             </a:r>
-            <a:endParaRPr lang="en-US" sz="1200" b="1" dirty="0">
-              <a:solidFill>
-                <a:srgbClr val="1B1013"/>
-              </a:solidFill>
-              <a:latin typeface="Calibri" panose="020F0502020204030204" pitchFamily="34" charset="0"/>
-            </a:endParaRPr>
           </a:p>
         </p:txBody>
       </p:sp>
@@ -13711,7 +13632,7 @@
           <a:lstStyle/>
           <a:p>
             <a:pPr algn="ctr"/>
-            <a:endParaRPr lang="en-US"/>
+            <a:endParaRPr lang="en-US" dirty="0"/>
           </a:p>
         </p:txBody>
       </p:sp>
@@ -14101,7 +14022,7 @@
           <a:lstStyle/>
           <a:p>
             <a:r>
-              <a:rPr lang="en-US" sz="1100" b="1" spc="-6">
+              <a:rPr lang="en-US" sz="1100" b="1" spc="-6" dirty="0">
                 <a:solidFill>
                   <a:schemeClr val="dk1"/>
                 </a:solidFill>
@@ -14189,22 +14110,13 @@
           <a:lstStyle/>
           <a:p>
             <a:r>
-              <a:rPr lang="en-US" sz="1100" b="1" spc="-6" dirty="0" err="1">
-                <a:solidFill>
-                  <a:schemeClr val="dk1"/>
-                </a:solidFill>
-                <a:latin typeface="Calibri" panose="020F0502020204030204" pitchFamily="34" charset="0"/>
-              </a:rPr>
-              <a:t>Presenation</a:t>
-            </a:r>
-            <a:r>
               <a:rPr lang="en-US" sz="1100" b="1" spc="-6" dirty="0">
                 <a:solidFill>
                   <a:schemeClr val="dk1"/>
                 </a:solidFill>
                 <a:latin typeface="Calibri" panose="020F0502020204030204" pitchFamily="34" charset="0"/>
               </a:rPr>
-              <a:t> Outlines</a:t>
+              <a:t>Presentation Outlines</a:t>
             </a:r>
           </a:p>
         </p:txBody>
@@ -15143,7 +15055,14 @@
                 <a:latin typeface="Segoe UI" panose="020B0502040204020203" pitchFamily="34" charset="0"/>
                 <a:cs typeface="Segoe UI" panose="020B0502040204020203" pitchFamily="34" charset="0"/>
               </a:rPr>
-              <a:t>Project Roadmap – Group 3</a:t>
+              <a:t>Project Roadmap – </a:t>
+            </a:r>
+            <a:r>
+              <a:rPr lang="en-GB" sz="4000">
+                <a:latin typeface="Segoe UI" panose="020B0502040204020203" pitchFamily="34" charset="0"/>
+                <a:cs typeface="Segoe UI" panose="020B0502040204020203" pitchFamily="34" charset="0"/>
+              </a:rPr>
+              <a:t>Group 3 </a:t>
             </a:r>
             <a:endParaRPr lang="en-US" sz="4000" dirty="0">
               <a:latin typeface="Segoe UI" panose="020B0502040204020203" pitchFamily="34" charset="0"/>
@@ -15262,7 +15181,7 @@
           <a:lstStyle/>
           <a:p>
             <a:pPr algn="ctr"/>
-            <a:endParaRPr lang="en-US"/>
+            <a:endParaRPr lang="en-US" dirty="0"/>
           </a:p>
         </p:txBody>
       </p:sp>
@@ -15420,7 +15339,7 @@
           <a:lstStyle/>
           <a:p>
             <a:pPr algn="ctr"/>
-            <a:endParaRPr lang="en-US"/>
+            <a:endParaRPr lang="en-US" dirty="0"/>
           </a:p>
         </p:txBody>
       </p:sp>
@@ -15578,7 +15497,7 @@
           <a:lstStyle/>
           <a:p>
             <a:pPr algn="ctr"/>
-            <a:endParaRPr lang="en-US"/>
+            <a:endParaRPr lang="en-US" dirty="0"/>
           </a:p>
         </p:txBody>
       </p:sp>
@@ -15956,7 +15875,7 @@
           <a:lstStyle/>
           <a:p>
             <a:pPr algn="ctr"/>
-            <a:endParaRPr lang="en-US"/>
+            <a:endParaRPr lang="en-US" dirty="0"/>
           </a:p>
         </p:txBody>
       </p:sp>
@@ -16026,7 +15945,7 @@
           <a:lstStyle/>
           <a:p>
             <a:pPr algn="ctr"/>
-            <a:endParaRPr lang="en-US"/>
+            <a:endParaRPr lang="en-US" dirty="0"/>
           </a:p>
         </p:txBody>
       </p:sp>
@@ -16197,7 +16116,7 @@
           <a:lstStyle/>
           <a:p>
             <a:pPr algn="ctr"/>
-            <a:endParaRPr lang="en-US"/>
+            <a:endParaRPr lang="en-US" dirty="0"/>
           </a:p>
         </p:txBody>
       </p:sp>
@@ -16495,7 +16414,7 @@
           <p:nvPr>
             <p:extLst>
               <p:ext uri="{D42A27DB-BD31-4B8C-83A1-F6EECF244321}">
-                <p14:modId xmlns:p14="http://schemas.microsoft.com/office/powerpoint/2010/main" val="2420166335"/>
+                <p14:modId xmlns:p14="http://schemas.microsoft.com/office/powerpoint/2010/main" val="1662525605"/>
               </p:ext>
             </p:extLst>
           </p:nvPr>
